--- a/docs/day3_data_lm.pptx
+++ b/docs/day3_data_lm.pptx
@@ -23,13 +23,14 @@
     <p:sldId id="281" r:id="rId20"/>
     <p:sldId id="283" r:id="rId21"/>
     <p:sldId id="285" r:id="rId22"/>
-    <p:sldId id="279" r:id="rId23"/>
-    <p:sldId id="282" r:id="rId24"/>
-    <p:sldId id="317" r:id="rId25"/>
-    <p:sldId id="313" r:id="rId26"/>
-    <p:sldId id="314" r:id="rId27"/>
-    <p:sldId id="315" r:id="rId28"/>
-    <p:sldId id="307" r:id="rId29"/>
+    <p:sldId id="318" r:id="rId23"/>
+    <p:sldId id="279" r:id="rId24"/>
+    <p:sldId id="282" r:id="rId25"/>
+    <p:sldId id="317" r:id="rId26"/>
+    <p:sldId id="313" r:id="rId27"/>
+    <p:sldId id="314" r:id="rId28"/>
+    <p:sldId id="315" r:id="rId29"/>
+    <p:sldId id="307" r:id="rId30"/>
   </p:sldIdLst>
   <p:sldSz cx="12192000" cy="6858000"/>
   <p:notesSz cx="6858000" cy="9144000"/>
@@ -296,7 +297,7 @@
           <a:p>
             <a:fld id="{CF1E0E1D-ACDF-4C26-BBCE-8E6AB791C535}" type="datetimeFigureOut">
               <a:rPr lang="en-GB" smtClean="0"/>
-              <a:t>22/01/2023</a:t>
+              <a:t>23/01/2023</a:t>
             </a:fld>
             <a:endParaRPr lang="en-GB"/>
           </a:p>
@@ -496,7 +497,7 @@
           <a:p>
             <a:fld id="{CF1E0E1D-ACDF-4C26-BBCE-8E6AB791C535}" type="datetimeFigureOut">
               <a:rPr lang="en-GB" smtClean="0"/>
-              <a:t>22/01/2023</a:t>
+              <a:t>23/01/2023</a:t>
             </a:fld>
             <a:endParaRPr lang="en-GB"/>
           </a:p>
@@ -706,7 +707,7 @@
           <a:p>
             <a:fld id="{CF1E0E1D-ACDF-4C26-BBCE-8E6AB791C535}" type="datetimeFigureOut">
               <a:rPr lang="en-GB" smtClean="0"/>
-              <a:t>22/01/2023</a:t>
+              <a:t>23/01/2023</a:t>
             </a:fld>
             <a:endParaRPr lang="en-GB"/>
           </a:p>
@@ -906,7 +907,7 @@
           <a:p>
             <a:fld id="{CF1E0E1D-ACDF-4C26-BBCE-8E6AB791C535}" type="datetimeFigureOut">
               <a:rPr lang="en-GB" smtClean="0"/>
-              <a:t>22/01/2023</a:t>
+              <a:t>23/01/2023</a:t>
             </a:fld>
             <a:endParaRPr lang="en-GB"/>
           </a:p>
@@ -1182,7 +1183,7 @@
           <a:p>
             <a:fld id="{CF1E0E1D-ACDF-4C26-BBCE-8E6AB791C535}" type="datetimeFigureOut">
               <a:rPr lang="en-GB" smtClean="0"/>
-              <a:t>22/01/2023</a:t>
+              <a:t>23/01/2023</a:t>
             </a:fld>
             <a:endParaRPr lang="en-GB"/>
           </a:p>
@@ -1450,7 +1451,7 @@
           <a:p>
             <a:fld id="{CF1E0E1D-ACDF-4C26-BBCE-8E6AB791C535}" type="datetimeFigureOut">
               <a:rPr lang="en-GB" smtClean="0"/>
-              <a:t>22/01/2023</a:t>
+              <a:t>23/01/2023</a:t>
             </a:fld>
             <a:endParaRPr lang="en-GB"/>
           </a:p>
@@ -1865,7 +1866,7 @@
           <a:p>
             <a:fld id="{CF1E0E1D-ACDF-4C26-BBCE-8E6AB791C535}" type="datetimeFigureOut">
               <a:rPr lang="en-GB" smtClean="0"/>
-              <a:t>22/01/2023</a:t>
+              <a:t>23/01/2023</a:t>
             </a:fld>
             <a:endParaRPr lang="en-GB"/>
           </a:p>
@@ -2007,7 +2008,7 @@
           <a:p>
             <a:fld id="{CF1E0E1D-ACDF-4C26-BBCE-8E6AB791C535}" type="datetimeFigureOut">
               <a:rPr lang="en-GB" smtClean="0"/>
-              <a:t>22/01/2023</a:t>
+              <a:t>23/01/2023</a:t>
             </a:fld>
             <a:endParaRPr lang="en-GB"/>
           </a:p>
@@ -2120,7 +2121,7 @@
           <a:p>
             <a:fld id="{CF1E0E1D-ACDF-4C26-BBCE-8E6AB791C535}" type="datetimeFigureOut">
               <a:rPr lang="en-GB" smtClean="0"/>
-              <a:t>22/01/2023</a:t>
+              <a:t>23/01/2023</a:t>
             </a:fld>
             <a:endParaRPr lang="en-GB"/>
           </a:p>
@@ -2433,7 +2434,7 @@
           <a:p>
             <a:fld id="{CF1E0E1D-ACDF-4C26-BBCE-8E6AB791C535}" type="datetimeFigureOut">
               <a:rPr lang="en-GB" smtClean="0"/>
-              <a:t>22/01/2023</a:t>
+              <a:t>23/01/2023</a:t>
             </a:fld>
             <a:endParaRPr lang="en-GB"/>
           </a:p>
@@ -2722,7 +2723,7 @@
           <a:p>
             <a:fld id="{CF1E0E1D-ACDF-4C26-BBCE-8E6AB791C535}" type="datetimeFigureOut">
               <a:rPr lang="en-GB" smtClean="0"/>
-              <a:t>22/01/2023</a:t>
+              <a:t>23/01/2023</a:t>
             </a:fld>
             <a:endParaRPr lang="en-GB"/>
           </a:p>
@@ -2970,7 +2971,7 @@
           <a:p>
             <a:fld id="{CF1E0E1D-ACDF-4C26-BBCE-8E6AB791C535}" type="datetimeFigureOut">
               <a:rPr lang="en-GB" smtClean="0"/>
-              <a:t>22/01/2023</a:t>
+              <a:t>23/01/2023</a:t>
             </a:fld>
             <a:endParaRPr lang="en-GB"/>
           </a:p>
@@ -14339,7 +14340,7 @@
           <p:cNvPr id="2" name="Title 1">
             <a:extLst>
               <a:ext uri="{FF2B5EF4-FFF2-40B4-BE49-F238E27FC236}">
-                <a16:creationId xmlns:a16="http://schemas.microsoft.com/office/drawing/2014/main" id="{CD894CB9-2EA1-4564-8CA6-B008BAE22E46}"/>
+                <a16:creationId xmlns:a16="http://schemas.microsoft.com/office/drawing/2014/main" id="{9209A036-D7BE-5D6C-2EFC-3B1D7CE78127}"/>
               </a:ext>
             </a:extLst>
           </p:cNvPr>
@@ -14356,10 +14357,8 @@
           <a:lstStyle/>
           <a:p>
             <a:r>
-              <a:rPr lang="en-GB" dirty="0">
-                <a:latin typeface="Franklin Gothic Demi"/>
-              </a:rPr>
-              <a:t>Exercise – Data management</a:t>
+              <a:rPr lang="en-GB" dirty="0"/>
+              <a:t>Data wrangling cheat sheet</a:t>
             </a:r>
           </a:p>
         </p:txBody>
@@ -14369,7 +14368,7 @@
           <p:cNvPr id="3" name="Content Placeholder 2">
             <a:extLst>
               <a:ext uri="{FF2B5EF4-FFF2-40B4-BE49-F238E27FC236}">
-                <a16:creationId xmlns:a16="http://schemas.microsoft.com/office/drawing/2014/main" id="{BAC4F79C-5AE3-4249-870C-0D4A458AB8C3}"/>
+                <a16:creationId xmlns:a16="http://schemas.microsoft.com/office/drawing/2014/main" id="{723CC6ED-ABB2-ECA7-5E92-81105F99C1FA}"/>
               </a:ext>
             </a:extLst>
           </p:cNvPr>
@@ -14380,161 +14379,50 @@
             <p:ph idx="1"/>
           </p:nvPr>
         </p:nvSpPr>
-        <p:spPr>
-          <a:xfrm>
-            <a:off x="838200" y="1532965"/>
-            <a:ext cx="10515600" cy="4643998"/>
-          </a:xfrm>
-        </p:spPr>
+        <p:spPr/>
         <p:txBody>
-          <a:bodyPr vert="horz" lIns="91440" tIns="45720" rIns="91440" bIns="45720" rtlCol="0" anchor="t">
-            <a:normAutofit fontScale="92500" lnSpcReduction="20000"/>
-          </a:bodyPr>
+          <a:bodyPr/>
           <a:lstStyle/>
           <a:p>
-            <a:pPr marL="0" indent="0">
-              <a:buNone/>
-            </a:pPr>
-            <a:r>
-              <a:rPr lang="en-GB" b="1" dirty="0"/>
-              <a:t>Typical scenario.</a:t>
-            </a:r>
-            <a:endParaRPr lang="en-GB" b="1" dirty="0">
-              <a:cs typeface="Calibri"/>
-            </a:endParaRPr>
-          </a:p>
-          <a:p>
+            <a:r>
+              <a:rPr lang="en-GB" dirty="0">
+                <a:hlinkClick r:id="rId2"/>
+              </a:rPr>
+              <a:t>https://www.rstudio.com/wp-content/uploads/2015/02/data-wrangling-cheatsheet.pdf</a:t>
+            </a:r>
             <a:r>
               <a:rPr lang="en-GB" dirty="0"/>
-              <a:t>Data is in two excel sheets, with mismatched names.</a:t>
-            </a:r>
-          </a:p>
-          <a:p>
-            <a:r>
-              <a:rPr lang="en-GB" dirty="0"/>
-              <a:t>Important meta-data is in a third sheet</a:t>
-            </a:r>
-          </a:p>
-          <a:p>
-            <a:r>
-              <a:rPr lang="en-GB" dirty="0"/>
-              <a:t>We need it all in a single data frame for analysis</a:t>
+              <a:t> </a:t>
             </a:r>
           </a:p>
           <a:p>
             <a:endParaRPr lang="en-GB" dirty="0"/>
           </a:p>
           <a:p>
-            <a:pPr marL="0" indent="0">
-              <a:buNone/>
-            </a:pPr>
-            <a:r>
-              <a:rPr lang="en-GB" b="1" dirty="0"/>
-              <a:t>Tasks to get the data ready for analysis</a:t>
+            <a:r>
+              <a:rPr lang="en-GB" dirty="0">
+                <a:hlinkClick r:id="rId3"/>
+              </a:rPr>
+              <a:t>https://raw.githubusercontent.com/rstudio/cheatsheets/master/datatable.pdf</a:t>
+            </a:r>
+            <a:r>
+              <a:rPr lang="en-GB" dirty="0"/>
+              <a:t> </a:t>
             </a:r>
           </a:p>
           <a:p>
-            <a:pPr marL="514350" indent="-514350">
-              <a:buFont typeface="+mj-lt"/>
-              <a:buAutoNum type="arabicPeriod"/>
-            </a:pPr>
-            <a:r>
-              <a:rPr lang="en-GB" dirty="0"/>
-              <a:t>Load both outcome datasets into separate data frames</a:t>
-            </a:r>
+            <a:endParaRPr lang="en-GB" dirty="0"/>
           </a:p>
           <a:p>
-            <a:pPr marL="514350" indent="-514350">
-              <a:buFont typeface="+mj-lt"/>
-              <a:buAutoNum type="arabicPeriod"/>
-            </a:pPr>
+            <a:r>
+              <a:rPr lang="en-GB" dirty="0">
+                <a:hlinkClick r:id="rId4"/>
+              </a:rPr>
+              <a:t>https://hbiostat.org/R/data.table/</a:t>
+            </a:r>
             <a:r>
               <a:rPr lang="en-GB" dirty="0"/>
-              <a:t>Rename the columns to make them consistent</a:t>
-            </a:r>
-          </a:p>
-          <a:p>
-            <a:pPr marL="514350" indent="-514350">
-              <a:buFont typeface="+mj-lt"/>
-              <a:buAutoNum type="arabicPeriod"/>
-            </a:pPr>
-            <a:r>
-              <a:rPr lang="en-GB" dirty="0"/>
-              <a:t>Bind rows of the data sets into a single frame</a:t>
-            </a:r>
-          </a:p>
-          <a:p>
-            <a:pPr marL="514350" indent="-514350">
-              <a:buFont typeface="+mj-lt"/>
-              <a:buAutoNum type="arabicPeriod"/>
-            </a:pPr>
-            <a:r>
-              <a:rPr lang="en-GB" dirty="0"/>
-              <a:t>Load the meta-data and merge it into the main data</a:t>
-            </a:r>
-          </a:p>
-          <a:p>
-            <a:pPr marL="514350" indent="-514350">
-              <a:buAutoNum type="arabicPeriod"/>
-            </a:pPr>
-            <a:r>
-              <a:rPr lang="en-GB">
-                <a:cs typeface="Calibri" panose="020F0502020204030204"/>
-              </a:rPr>
-              <a:t>Transform a variable</a:t>
-            </a:r>
-          </a:p>
-        </p:txBody>
-      </p:sp>
-      <p:sp>
-        <p:nvSpPr>
-          <p:cNvPr id="4" name="TextBox 3">
-            <a:extLst>
-              <a:ext uri="{FF2B5EF4-FFF2-40B4-BE49-F238E27FC236}">
-                <a16:creationId xmlns:a16="http://schemas.microsoft.com/office/drawing/2014/main" id="{0FC85FA1-F248-4214-BDDD-95A9F7485EFE}"/>
-              </a:ext>
-            </a:extLst>
-          </p:cNvPr>
-          <p:cNvSpPr txBox="1"/>
-          <p:nvPr/>
-        </p:nvSpPr>
-        <p:spPr>
-          <a:xfrm>
-            <a:off x="8157108" y="2927836"/>
-            <a:ext cx="3439487" cy="830997"/>
-          </a:xfrm>
-          <a:prstGeom prst="rect">
-            <a:avLst/>
-          </a:prstGeom>
-        </p:spPr>
-        <p:style>
-          <a:lnRef idx="2">
-            <a:schemeClr val="accent2">
-              <a:shade val="50000"/>
-            </a:schemeClr>
-          </a:lnRef>
-          <a:fillRef idx="1">
-            <a:schemeClr val="accent2"/>
-          </a:fillRef>
-          <a:effectRef idx="0">
-            <a:schemeClr val="accent2"/>
-          </a:effectRef>
-          <a:fontRef idx="minor">
-            <a:schemeClr val="lt1"/>
-          </a:fontRef>
-        </p:style>
-        <p:txBody>
-          <a:bodyPr wrap="square" rtlCol="0">
-            <a:spAutoFit/>
-          </a:bodyPr>
-          <a:lstStyle/>
-          <a:p>
-            <a:r>
-              <a:rPr lang="en-GB" sz="2400" dirty="0">
-                <a:latin typeface="Franklin Gothic Demi" panose="020B0703020102020204" pitchFamily="34" charset="0"/>
-                <a:cs typeface="MV Boli" panose="02000500030200090000" pitchFamily="2" charset="0"/>
-              </a:rPr>
-              <a:t>Data for this exercise is in walkingspeed.xlsx</a:t>
+              <a:t> </a:t>
             </a:r>
           </a:p>
         </p:txBody>
@@ -14542,7 +14430,7 @@
     </p:spTree>
     <p:extLst>
       <p:ext uri="{BB962C8B-B14F-4D97-AF65-F5344CB8AC3E}">
-        <p14:creationId xmlns:p14="http://schemas.microsoft.com/office/powerpoint/2010/main" val="3725517533"/>
+        <p14:creationId xmlns:p14="http://schemas.microsoft.com/office/powerpoint/2010/main" val="3020570695"/>
       </p:ext>
     </p:extLst>
   </p:cSld>
@@ -14660,6 +14548,15 @@
           <a:p>
             <a:r>
               <a:rPr lang="en-GB" b="1" dirty="0"/>
+              <a:t>[Break! At 2.30]</a:t>
+            </a:r>
+          </a:p>
+          <a:p>
+            <a:endParaRPr lang="en-GB" b="1" dirty="0"/>
+          </a:p>
+          <a:p>
+            <a:r>
+              <a:rPr lang="en-GB" b="1" dirty="0"/>
               <a:t>Graphics</a:t>
             </a:r>
             <a:endParaRPr lang="en-GB" dirty="0"/>
@@ -14680,6 +14577,241 @@
 </file>
 
 <file path=ppt/slides/slide20.xml><?xml version="1.0" encoding="utf-8"?>
+<p:sld xmlns:a="http://schemas.openxmlformats.org/drawingml/2006/main" xmlns:r="http://schemas.openxmlformats.org/officeDocument/2006/relationships" xmlns:p="http://schemas.openxmlformats.org/presentationml/2006/main">
+  <p:cSld>
+    <p:spTree>
+      <p:nvGrpSpPr>
+        <p:cNvPr id="1" name=""/>
+        <p:cNvGrpSpPr/>
+        <p:nvPr/>
+      </p:nvGrpSpPr>
+      <p:grpSpPr>
+        <a:xfrm>
+          <a:off x="0" y="0"/>
+          <a:ext cx="0" cy="0"/>
+          <a:chOff x="0" y="0"/>
+          <a:chExt cx="0" cy="0"/>
+        </a:xfrm>
+      </p:grpSpPr>
+      <p:sp>
+        <p:nvSpPr>
+          <p:cNvPr id="2" name="Title 1">
+            <a:extLst>
+              <a:ext uri="{FF2B5EF4-FFF2-40B4-BE49-F238E27FC236}">
+                <a16:creationId xmlns:a16="http://schemas.microsoft.com/office/drawing/2014/main" id="{CD894CB9-2EA1-4564-8CA6-B008BAE22E46}"/>
+              </a:ext>
+            </a:extLst>
+          </p:cNvPr>
+          <p:cNvSpPr>
+            <a:spLocks noGrp="1"/>
+          </p:cNvSpPr>
+          <p:nvPr>
+            <p:ph type="title"/>
+          </p:nvPr>
+        </p:nvSpPr>
+        <p:spPr/>
+        <p:txBody>
+          <a:bodyPr/>
+          <a:lstStyle/>
+          <a:p>
+            <a:r>
+              <a:rPr lang="en-GB" dirty="0">
+                <a:latin typeface="Franklin Gothic Demi"/>
+              </a:rPr>
+              <a:t>Exercise – Data management</a:t>
+            </a:r>
+          </a:p>
+        </p:txBody>
+      </p:sp>
+      <p:sp>
+        <p:nvSpPr>
+          <p:cNvPr id="3" name="Content Placeholder 2">
+            <a:extLst>
+              <a:ext uri="{FF2B5EF4-FFF2-40B4-BE49-F238E27FC236}">
+                <a16:creationId xmlns:a16="http://schemas.microsoft.com/office/drawing/2014/main" id="{BAC4F79C-5AE3-4249-870C-0D4A458AB8C3}"/>
+              </a:ext>
+            </a:extLst>
+          </p:cNvPr>
+          <p:cNvSpPr>
+            <a:spLocks noGrp="1"/>
+          </p:cNvSpPr>
+          <p:nvPr>
+            <p:ph idx="1"/>
+          </p:nvPr>
+        </p:nvSpPr>
+        <p:spPr>
+          <a:xfrm>
+            <a:off x="838200" y="1532965"/>
+            <a:ext cx="10515600" cy="4643998"/>
+          </a:xfrm>
+        </p:spPr>
+        <p:txBody>
+          <a:bodyPr vert="horz" lIns="91440" tIns="45720" rIns="91440" bIns="45720" rtlCol="0" anchor="t">
+            <a:normAutofit fontScale="92500" lnSpcReduction="20000"/>
+          </a:bodyPr>
+          <a:lstStyle/>
+          <a:p>
+            <a:pPr marL="0" indent="0">
+              <a:buNone/>
+            </a:pPr>
+            <a:r>
+              <a:rPr lang="en-GB" b="1" dirty="0"/>
+              <a:t>Typical scenario.</a:t>
+            </a:r>
+            <a:endParaRPr lang="en-GB" b="1" dirty="0">
+              <a:cs typeface="Calibri"/>
+            </a:endParaRPr>
+          </a:p>
+          <a:p>
+            <a:r>
+              <a:rPr lang="en-GB" dirty="0"/>
+              <a:t>Data is in two excel sheets, with mismatched names.</a:t>
+            </a:r>
+          </a:p>
+          <a:p>
+            <a:r>
+              <a:rPr lang="en-GB" dirty="0"/>
+              <a:t>Important meta-data is in a third sheet</a:t>
+            </a:r>
+          </a:p>
+          <a:p>
+            <a:r>
+              <a:rPr lang="en-GB" dirty="0"/>
+              <a:t>We need it all in a single data frame for analysis</a:t>
+            </a:r>
+          </a:p>
+          <a:p>
+            <a:endParaRPr lang="en-GB" dirty="0"/>
+          </a:p>
+          <a:p>
+            <a:pPr marL="0" indent="0">
+              <a:buNone/>
+            </a:pPr>
+            <a:r>
+              <a:rPr lang="en-GB" b="1" dirty="0"/>
+              <a:t>Tasks to get the data ready for analysis</a:t>
+            </a:r>
+          </a:p>
+          <a:p>
+            <a:pPr marL="514350" indent="-514350">
+              <a:buFont typeface="+mj-lt"/>
+              <a:buAutoNum type="arabicPeriod"/>
+            </a:pPr>
+            <a:r>
+              <a:rPr lang="en-GB" dirty="0"/>
+              <a:t>Load both outcome datasets into separate data frames</a:t>
+            </a:r>
+          </a:p>
+          <a:p>
+            <a:pPr marL="514350" indent="-514350">
+              <a:buFont typeface="+mj-lt"/>
+              <a:buAutoNum type="arabicPeriod"/>
+            </a:pPr>
+            <a:r>
+              <a:rPr lang="en-GB" dirty="0"/>
+              <a:t>Rename the columns to make them consistent</a:t>
+            </a:r>
+          </a:p>
+          <a:p>
+            <a:pPr marL="514350" indent="-514350">
+              <a:buFont typeface="+mj-lt"/>
+              <a:buAutoNum type="arabicPeriod"/>
+            </a:pPr>
+            <a:r>
+              <a:rPr lang="en-GB" dirty="0"/>
+              <a:t>Bind rows of the data sets into a single frame</a:t>
+            </a:r>
+          </a:p>
+          <a:p>
+            <a:pPr marL="514350" indent="-514350">
+              <a:buFont typeface="+mj-lt"/>
+              <a:buAutoNum type="arabicPeriod"/>
+            </a:pPr>
+            <a:r>
+              <a:rPr lang="en-GB" dirty="0"/>
+              <a:t>Load the meta-data and merge it into the main data</a:t>
+            </a:r>
+          </a:p>
+          <a:p>
+            <a:pPr marL="514350" indent="-514350">
+              <a:buAutoNum type="arabicPeriod"/>
+            </a:pPr>
+            <a:r>
+              <a:rPr lang="en-GB">
+                <a:cs typeface="Calibri" panose="020F0502020204030204"/>
+              </a:rPr>
+              <a:t>Transform a variable</a:t>
+            </a:r>
+          </a:p>
+        </p:txBody>
+      </p:sp>
+      <p:sp>
+        <p:nvSpPr>
+          <p:cNvPr id="4" name="TextBox 3">
+            <a:extLst>
+              <a:ext uri="{FF2B5EF4-FFF2-40B4-BE49-F238E27FC236}">
+                <a16:creationId xmlns:a16="http://schemas.microsoft.com/office/drawing/2014/main" id="{0FC85FA1-F248-4214-BDDD-95A9F7485EFE}"/>
+              </a:ext>
+            </a:extLst>
+          </p:cNvPr>
+          <p:cNvSpPr txBox="1"/>
+          <p:nvPr/>
+        </p:nvSpPr>
+        <p:spPr>
+          <a:xfrm>
+            <a:off x="8157108" y="2927836"/>
+            <a:ext cx="3439487" cy="830997"/>
+          </a:xfrm>
+          <a:prstGeom prst="rect">
+            <a:avLst/>
+          </a:prstGeom>
+        </p:spPr>
+        <p:style>
+          <a:lnRef idx="2">
+            <a:schemeClr val="accent2">
+              <a:shade val="50000"/>
+            </a:schemeClr>
+          </a:lnRef>
+          <a:fillRef idx="1">
+            <a:schemeClr val="accent2"/>
+          </a:fillRef>
+          <a:effectRef idx="0">
+            <a:schemeClr val="accent2"/>
+          </a:effectRef>
+          <a:fontRef idx="minor">
+            <a:schemeClr val="lt1"/>
+          </a:fontRef>
+        </p:style>
+        <p:txBody>
+          <a:bodyPr wrap="square" rtlCol="0">
+            <a:spAutoFit/>
+          </a:bodyPr>
+          <a:lstStyle/>
+          <a:p>
+            <a:r>
+              <a:rPr lang="en-GB" sz="2400" dirty="0">
+                <a:latin typeface="Franklin Gothic Demi" panose="020B0703020102020204" pitchFamily="34" charset="0"/>
+                <a:cs typeface="MV Boli" panose="02000500030200090000" pitchFamily="2" charset="0"/>
+              </a:rPr>
+              <a:t>Data for this exercise is in walkingspeed.xlsx</a:t>
+            </a:r>
+          </a:p>
+        </p:txBody>
+      </p:sp>
+    </p:spTree>
+    <p:extLst>
+      <p:ext uri="{BB962C8B-B14F-4D97-AF65-F5344CB8AC3E}">
+        <p14:creationId xmlns:p14="http://schemas.microsoft.com/office/powerpoint/2010/main" val="3725517533"/>
+      </p:ext>
+    </p:extLst>
+  </p:cSld>
+  <p:clrMapOvr>
+    <a:masterClrMapping/>
+  </p:clrMapOvr>
+</p:sld>
+</file>
+
+<file path=ppt/slides/slide21.xml><?xml version="1.0" encoding="utf-8"?>
 <p:sld xmlns:a="http://schemas.openxmlformats.org/drawingml/2006/main" xmlns:r="http://schemas.openxmlformats.org/officeDocument/2006/relationships" xmlns:p="http://schemas.openxmlformats.org/presentationml/2006/main">
   <p:cSld>
     <p:spTree>
@@ -15171,7 +15303,7 @@
 </p:sld>
 </file>
 
-<file path=ppt/slides/slide21.xml><?xml version="1.0" encoding="utf-8"?>
+<file path=ppt/slides/slide22.xml><?xml version="1.0" encoding="utf-8"?>
 <p:sld xmlns:a="http://schemas.openxmlformats.org/drawingml/2006/main" xmlns:r="http://schemas.openxmlformats.org/officeDocument/2006/relationships" xmlns:p="http://schemas.openxmlformats.org/presentationml/2006/main">
   <p:cSld>
     <p:spTree>
@@ -15285,7 +15417,7 @@
 </p:sld>
 </file>
 
-<file path=ppt/slides/slide22.xml><?xml version="1.0" encoding="utf-8"?>
+<file path=ppt/slides/slide23.xml><?xml version="1.0" encoding="utf-8"?>
 <p:sld xmlns:a="http://schemas.openxmlformats.org/drawingml/2006/main" xmlns:r="http://schemas.openxmlformats.org/officeDocument/2006/relationships" xmlns:p="http://schemas.openxmlformats.org/presentationml/2006/main">
   <p:cSld>
     <p:spTree>
@@ -15443,7 +15575,7 @@
 </p:sld>
 </file>
 
-<file path=ppt/slides/slide23.xml><?xml version="1.0" encoding="utf-8"?>
+<file path=ppt/slides/slide24.xml><?xml version="1.0" encoding="utf-8"?>
 <p:sld xmlns:a="http://schemas.openxmlformats.org/drawingml/2006/main" xmlns:r="http://schemas.openxmlformats.org/officeDocument/2006/relationships" xmlns:p="http://schemas.openxmlformats.org/presentationml/2006/main">
   <p:cSld>
     <p:spTree>
@@ -15677,7 +15809,7 @@
 </p:sld>
 </file>
 
-<file path=ppt/slides/slide24.xml><?xml version="1.0" encoding="utf-8"?>
+<file path=ppt/slides/slide25.xml><?xml version="1.0" encoding="utf-8"?>
 <p:sld xmlns:a="http://schemas.openxmlformats.org/drawingml/2006/main" xmlns:r="http://schemas.openxmlformats.org/officeDocument/2006/relationships" xmlns:p="http://schemas.openxmlformats.org/presentationml/2006/main">
   <p:cSld>
     <p:spTree>
@@ -15864,7 +15996,7 @@
 </p:sld>
 </file>
 
-<file path=ppt/slides/slide25.xml><?xml version="1.0" encoding="utf-8"?>
+<file path=ppt/slides/slide26.xml><?xml version="1.0" encoding="utf-8"?>
 <p:sld xmlns:a="http://schemas.openxmlformats.org/drawingml/2006/main" xmlns:r="http://schemas.openxmlformats.org/officeDocument/2006/relationships" xmlns:p="http://schemas.openxmlformats.org/presentationml/2006/main">
   <p:cSld>
     <p:spTree>
@@ -43142,21 +43274,6 @@
 </file>
 
 <file path=customXml/item1.xml><?xml version="1.0" encoding="utf-8"?>
-<?mso-contentType ?>
-<FormTemplates xmlns="http://schemas.microsoft.com/sharepoint/v3/contenttype/forms">
-  <Display>DocumentLibraryForm</Display>
-  <Edit>DocumentLibraryForm</Edit>
-  <New>DocumentLibraryForm</New>
-</FormTemplates>
-</file>
-
-<file path=customXml/item2.xml><?xml version="1.0" encoding="utf-8"?>
-<p:properties xmlns:p="http://schemas.microsoft.com/office/2006/metadata/properties" xmlns:xsi="http://www.w3.org/2001/XMLSchema-instance" xmlns:pc="http://schemas.microsoft.com/office/infopath/2007/PartnerControls">
-  <documentManagement/>
-</p:properties>
-</file>
-
-<file path=customXml/item3.xml><?xml version="1.0" encoding="utf-8"?>
 <ct:contentTypeSchema xmlns:ct="http://schemas.microsoft.com/office/2006/metadata/contentType" xmlns:ma="http://schemas.microsoft.com/office/2006/metadata/properties/metaAttributes" ct:_="" ma:_="" ma:contentTypeName="Document" ma:contentTypeID="0x0101005627BA6AF434694A8B630154A0EB1116" ma:contentTypeVersion="4" ma:contentTypeDescription="Create a new document." ma:contentTypeScope="" ma:versionID="2179cceb79c02f8c4a8490a33fd7d67c">
   <xsd:schema xmlns:xsd="http://www.w3.org/2001/XMLSchema" xmlns:xs="http://www.w3.org/2001/XMLSchema" xmlns:p="http://schemas.microsoft.com/office/2006/metadata/properties" xmlns:ns2="0751d174-9901-4bce-9cea-0a6736e3069e" targetNamespace="http://schemas.microsoft.com/office/2006/metadata/properties" ma:root="true" ma:fieldsID="694f4b57abac7d395eecc5349eccaeff" ns2:_="">
     <xsd:import namespace="0751d174-9901-4bce-9cea-0a6736e3069e"/>
@@ -43302,10 +43419,35 @@
 </ct:contentTypeSchema>
 </file>
 
+<file path=customXml/item2.xml><?xml version="1.0" encoding="utf-8"?>
+<p:properties xmlns:p="http://schemas.microsoft.com/office/2006/metadata/properties" xmlns:xsi="http://www.w3.org/2001/XMLSchema-instance" xmlns:pc="http://schemas.microsoft.com/office/infopath/2007/PartnerControls">
+  <documentManagement/>
+</p:properties>
+</file>
+
+<file path=customXml/item3.xml><?xml version="1.0" encoding="utf-8"?>
+<?mso-contentType ?>
+<FormTemplates xmlns="http://schemas.microsoft.com/sharepoint/v3/contenttype/forms">
+  <Display>DocumentLibraryForm</Display>
+  <Edit>DocumentLibraryForm</Edit>
+  <New>DocumentLibraryForm</New>
+</FormTemplates>
+</file>
+
 <file path=customXml/itemProps1.xml><?xml version="1.0" encoding="utf-8"?>
-<ds:datastoreItem xmlns:ds="http://schemas.openxmlformats.org/officeDocument/2006/customXml" ds:itemID="{09A490FF-1E3B-46A6-B550-A7FB8FD5165F}">
+<ds:datastoreItem xmlns:ds="http://schemas.openxmlformats.org/officeDocument/2006/customXml" ds:itemID="{04D6C45D-88E1-4732-81D2-1ECFBB2EAB3B}">
   <ds:schemaRefs>
-    <ds:schemaRef ds:uri="http://schemas.microsoft.com/sharepoint/v3/contenttype/forms"/>
+    <ds:schemaRef ds:uri="http://schemas.microsoft.com/office/2006/metadata/contentType"/>
+    <ds:schemaRef ds:uri="http://schemas.microsoft.com/office/2006/metadata/properties/metaAttributes"/>
+    <ds:schemaRef ds:uri="http://www.w3.org/2001/XMLSchema"/>
+    <ds:schemaRef ds:uri="http://schemas.microsoft.com/office/2006/metadata/properties"/>
+    <ds:schemaRef ds:uri="0751d174-9901-4bce-9cea-0a6736e3069e"/>
+    <ds:schemaRef ds:uri="http://schemas.microsoft.com/office/2006/documentManagement/types"/>
+    <ds:schemaRef ds:uri="http://schemas.microsoft.com/office/infopath/2007/PartnerControls"/>
+    <ds:schemaRef ds:uri="http://schemas.openxmlformats.org/package/2006/metadata/core-properties"/>
+    <ds:schemaRef ds:uri="http://purl.org/dc/elements/1.1/"/>
+    <ds:schemaRef ds:uri="http://purl.org/dc/terms/"/>
+    <ds:schemaRef ds:uri="http://schemas.microsoft.com/internal/obd"/>
   </ds:schemaRefs>
 </ds:datastoreItem>
 </file>
@@ -43327,19 +43469,9 @@
 </file>
 
 <file path=customXml/itemProps3.xml><?xml version="1.0" encoding="utf-8"?>
-<ds:datastoreItem xmlns:ds="http://schemas.openxmlformats.org/officeDocument/2006/customXml" ds:itemID="{04D6C45D-88E1-4732-81D2-1ECFBB2EAB3B}">
+<ds:datastoreItem xmlns:ds="http://schemas.openxmlformats.org/officeDocument/2006/customXml" ds:itemID="{09A490FF-1E3B-46A6-B550-A7FB8FD5165F}">
   <ds:schemaRefs>
-    <ds:schemaRef ds:uri="http://schemas.microsoft.com/office/2006/metadata/contentType"/>
-    <ds:schemaRef ds:uri="http://schemas.microsoft.com/office/2006/metadata/properties/metaAttributes"/>
-    <ds:schemaRef ds:uri="http://www.w3.org/2001/XMLSchema"/>
-    <ds:schemaRef ds:uri="http://schemas.microsoft.com/office/2006/metadata/properties"/>
-    <ds:schemaRef ds:uri="0751d174-9901-4bce-9cea-0a6736e3069e"/>
-    <ds:schemaRef ds:uri="http://schemas.microsoft.com/office/2006/documentManagement/types"/>
-    <ds:schemaRef ds:uri="http://schemas.microsoft.com/office/infopath/2007/PartnerControls"/>
-    <ds:schemaRef ds:uri="http://schemas.openxmlformats.org/package/2006/metadata/core-properties"/>
-    <ds:schemaRef ds:uri="http://purl.org/dc/elements/1.1/"/>
-    <ds:schemaRef ds:uri="http://purl.org/dc/terms/"/>
-    <ds:schemaRef ds:uri="http://schemas.microsoft.com/internal/obd"/>
+    <ds:schemaRef ds:uri="http://schemas.microsoft.com/sharepoint/v3/contenttype/forms"/>
   </ds:schemaRefs>
 </ds:datastoreItem>
 </file>